--- a/meterials/slides/ch07-media-source-and-news.pptx
+++ b/meterials/slides/ch07-media-source-and-news.pptx
@@ -22308,56 +22308,84 @@
           <a:p>
             <a:pPr lvl="2"/>
             <a:r>
-              <a:rPr lang="zh-CN" altLang="en-US" dirty="0">
+              <a:rPr lang="en-US" altLang="zh-CN" dirty="0">
                 <a:latin typeface="Consolas" panose="020B0609020204030204" pitchFamily="49" charset="0"/>
                 <a:ea typeface="微软雅黑" panose="020B0503020204020204" pitchFamily="34" charset="-122"/>
               </a:rPr>
-              <a:t>if ($result!==true) {</a:t>
-            </a:r>
-          </a:p>
-          <a:p>
-            <a:pPr lvl="2"/>
-            <a:r>
-              <a:rPr lang="zh-CN" altLang="en-US" dirty="0">
+              <a:t>if (</a:t>
+            </a:r>
+            <a:r>
+              <a:rPr lang="en-US" altLang="zh-CN" dirty="0" err="1">
                 <a:latin typeface="Consolas" panose="020B0609020204030204" pitchFamily="49" charset="0"/>
                 <a:ea typeface="微软雅黑" panose="020B0503020204020204" pitchFamily="34" charset="-122"/>
               </a:rPr>
-              <a:t>    $response = $this-&gt;createResponseObject($result);</a:t>
-            </a:r>
-          </a:p>
-          <a:p>
-            <a:pPr lvl="2"/>
-            <a:r>
-              <a:rPr lang="zh-CN" altLang="en-US" dirty="0">
+              <a:t>is_bool</a:t>
+            </a:r>
+            <a:r>
+              <a:rPr lang="en-US" altLang="zh-CN" dirty="0">
                 <a:latin typeface="Consolas" panose="020B0609020204030204" pitchFamily="49" charset="0"/>
                 <a:ea typeface="微软雅黑" panose="020B0503020204020204" pitchFamily="34" charset="-122"/>
               </a:rPr>
-              <a:t>} else {</a:t>
+              <a:t>($result)) {</a:t>
             </a:r>
           </a:p>
           <a:p>
             <a:pPr lvl="2"/>
             <a:r>
-              <a:rPr lang="zh-CN" altLang="en-US" dirty="0">
+              <a:rPr lang="en-US" altLang="zh-CN" dirty="0">
                 <a:latin typeface="Consolas" panose="020B0609020204030204" pitchFamily="49" charset="0"/>
                 <a:ea typeface="微软雅黑" panose="020B0503020204020204" pitchFamily="34" charset="-122"/>
               </a:rPr>
               <a:t>    $response = true;</a:t>
             </a:r>
-            <a:endParaRPr lang="en-US" altLang="zh-CN" dirty="0">
+          </a:p>
+          <a:p>
+            <a:pPr lvl="2"/>
+            <a:r>
+              <a:rPr lang="en-US" altLang="zh-CN" dirty="0">
+                <a:latin typeface="Consolas" panose="020B0609020204030204" pitchFamily="49" charset="0"/>
+                <a:ea typeface="微软雅黑" panose="020B0503020204020204" pitchFamily="34" charset="-122"/>
+              </a:rPr>
+              <a:t>} else {</a:t>
+            </a:r>
+          </a:p>
+          <a:p>
+            <a:pPr lvl="2"/>
+            <a:r>
+              <a:rPr lang="en-US" altLang="zh-CN" dirty="0">
+                <a:latin typeface="Consolas" panose="020B0609020204030204" pitchFamily="49" charset="0"/>
+                <a:ea typeface="微软雅黑" panose="020B0503020204020204" pitchFamily="34" charset="-122"/>
+              </a:rPr>
+              <a:t>    $response = $this-&gt;</a:t>
+            </a:r>
+            <a:r>
+              <a:rPr lang="en-US" altLang="zh-CN" dirty="0" err="1">
+                <a:latin typeface="Consolas" panose="020B0609020204030204" pitchFamily="49" charset="0"/>
+                <a:ea typeface="微软雅黑" panose="020B0503020204020204" pitchFamily="34" charset="-122"/>
+              </a:rPr>
+              <a:t>createResponseObject</a:t>
+            </a:r>
+            <a:r>
+              <a:rPr lang="en-US" altLang="zh-CN" dirty="0">
+                <a:latin typeface="Consolas" panose="020B0609020204030204" pitchFamily="49" charset="0"/>
+                <a:ea typeface="微软雅黑" panose="020B0503020204020204" pitchFamily="34" charset="-122"/>
+              </a:rPr>
+              <a:t>($result);</a:t>
+            </a:r>
+          </a:p>
+          <a:p>
+            <a:pPr lvl="2"/>
+            <a:r>
+              <a:rPr lang="en-US" altLang="zh-CN" dirty="0">
+                <a:latin typeface="Consolas" panose="020B0609020204030204" pitchFamily="49" charset="0"/>
+                <a:ea typeface="微软雅黑" panose="020B0503020204020204" pitchFamily="34" charset="-122"/>
+              </a:rPr>
+              <a:t>}</a:t>
+            </a:r>
+            <a:endParaRPr lang="zh-CN" altLang="en-US" dirty="0">
               <a:latin typeface="Consolas" panose="020B0609020204030204" pitchFamily="49" charset="0"/>
               <a:ea typeface="微软雅黑" panose="020B0503020204020204" pitchFamily="34" charset="-122"/>
             </a:endParaRPr>
-          </a:p>
-          <a:p>
-            <a:pPr lvl="2"/>
-            <a:r>
-              <a:rPr lang="zh-CN" altLang="en-US" dirty="0">
-                <a:latin typeface="Consolas" panose="020B0609020204030204" pitchFamily="49" charset="0"/>
-                <a:ea typeface="微软雅黑" panose="020B0503020204020204" pitchFamily="34" charset="-122"/>
-              </a:rPr>
-              <a:t>}</a:t>
-            </a:r>
           </a:p>
         </p:txBody>
       </p:sp>

--- a/meterials/slides/ch07-media-source-and-news.pptx
+++ b/meterials/slides/ch07-media-source-and-news.pptx
@@ -274,7 +274,7 @@
           <a:p>
             <a:fld id="{2B71C804-97F5-4B36-A7AC-EEEC7F44F6C2}" type="datetimeFigureOut">
               <a:rPr lang="zh-CN" altLang="en-US" smtClean="0"/>
-              <a:t>2017/9/6</a:t>
+              <a:t>2017/9/7</a:t>
             </a:fld>
             <a:endParaRPr lang="zh-CN" altLang="en-US"/>
           </a:p>
@@ -440,7 +440,7 @@
           <a:p>
             <a:fld id="{0568D9C6-D8DC-4CC3-8480-E0C4DBA1CC07}" type="datetimeFigureOut">
               <a:rPr lang="zh-CN" altLang="en-US" smtClean="0"/>
-              <a:t>2017/9/6</a:t>
+              <a:t>2017/9/7</a:t>
             </a:fld>
             <a:endParaRPr lang="zh-CN" altLang="en-US"/>
           </a:p>
@@ -1053,7 +1053,7 @@
           <a:p>
             <a:fld id="{DB9D664F-4C68-42D2-B189-678958EFAFDA}" type="datetime1">
               <a:rPr lang="zh-CN" altLang="en-US" smtClean="0"/>
-              <a:t>2017/9/6</a:t>
+              <a:t>2017/9/7</a:t>
             </a:fld>
             <a:endParaRPr lang="zh-CN" altLang="en-US"/>
           </a:p>
@@ -2035,7 +2035,7 @@
           <a:p>
             <a:fld id="{ED5513C8-E3A4-4D78-B249-887659A958FF}" type="datetime1">
               <a:rPr lang="en-US" altLang="zh-CN" smtClean="0"/>
-              <a:t>9/6/2017</a:t>
+              <a:t>9/7/2017</a:t>
             </a:fld>
             <a:endParaRPr lang="en-US"/>
           </a:p>
@@ -2213,7 +2213,7 @@
           <a:p>
             <a:fld id="{EBEDA52C-3EEE-4289-818C-901C0A7814FE}" type="datetime1">
               <a:rPr lang="en-US" altLang="zh-CN" smtClean="0"/>
-              <a:t>9/6/2017</a:t>
+              <a:t>9/7/2017</a:t>
             </a:fld>
             <a:endParaRPr lang="en-US"/>
           </a:p>
@@ -2467,7 +2467,7 @@
           <a:p>
             <a:fld id="{09EF5D7F-EA15-485C-85DD-8FDC010A62D4}" type="datetime1">
               <a:rPr lang="en-US" altLang="zh-CN" smtClean="0"/>
-              <a:t>9/6/2017</a:t>
+              <a:t>9/7/2017</a:t>
             </a:fld>
             <a:endParaRPr lang="en-US"/>
           </a:p>
@@ -2707,7 +2707,7 @@
           <a:p>
             <a:fld id="{9541C2B2-0BAB-4CD4-83EE-25F1A7138896}" type="datetime1">
               <a:rPr lang="en-US" altLang="zh-CN" smtClean="0"/>
-              <a:t>9/6/2017</a:t>
+              <a:t>9/7/2017</a:t>
             </a:fld>
             <a:endParaRPr lang="en-US"/>
           </a:p>
@@ -3082,7 +3082,7 @@
           <a:p>
             <a:fld id="{7DEA23E7-D0FC-41DC-8745-BE6FC447B182}" type="datetime1">
               <a:rPr lang="en-US" altLang="zh-CN" smtClean="0"/>
-              <a:t>9/6/2017</a:t>
+              <a:t>9/7/2017</a:t>
             </a:fld>
             <a:endParaRPr lang="en-US"/>
           </a:p>
@@ -3867,7 +3867,7 @@
           <a:p>
             <a:fld id="{5DEA8378-5F33-490B-8120-8DE6B7EE2781}" type="datetime1">
               <a:rPr lang="en-US" altLang="zh-CN" smtClean="0"/>
-              <a:t>9/6/2017</a:t>
+              <a:t>9/7/2017</a:t>
             </a:fld>
             <a:endParaRPr lang="en-US"/>
           </a:p>
@@ -4121,7 +4121,7 @@
           <a:p>
             <a:fld id="{38DD30CF-78A7-4C73-91B4-38D3E3317745}" type="datetime1">
               <a:rPr lang="en-US" altLang="zh-CN" smtClean="0"/>
-              <a:t>9/6/2017</a:t>
+              <a:t>9/7/2017</a:t>
             </a:fld>
             <a:endParaRPr lang="en-US"/>
           </a:p>
@@ -4224,7 +4224,7 @@
           <a:p>
             <a:fld id="{A1BE0A72-8501-4974-A7B7-5BD248ABBAFC}" type="datetime1">
               <a:rPr lang="zh-CN" altLang="en-US" smtClean="0"/>
-              <a:t>2017/9/6</a:t>
+              <a:t>2017/9/7</a:t>
             </a:fld>
             <a:endParaRPr lang="zh-CN" altLang="en-US"/>
           </a:p>
@@ -4485,7 +4485,7 @@
           <a:p>
             <a:fld id="{0B7E01DD-16D0-4DBA-9C1A-51468BA0B73A}" type="datetime1">
               <a:rPr lang="en-US" altLang="zh-CN" smtClean="0"/>
-              <a:t>9/6/2017</a:t>
+              <a:t>9/7/2017</a:t>
             </a:fld>
             <a:endParaRPr lang="en-US"/>
           </a:p>
@@ -4663,7 +4663,7 @@
           <a:p>
             <a:fld id="{B587E63F-0E62-4A50-901F-E071D77F7634}" type="datetime1">
               <a:rPr lang="en-US" altLang="zh-CN" smtClean="0"/>
-              <a:t>9/6/2017</a:t>
+              <a:t>9/7/2017</a:t>
             </a:fld>
             <a:endParaRPr lang="en-US"/>
           </a:p>
@@ -4851,7 +4851,7 @@
           <a:p>
             <a:fld id="{BD8521E8-9297-400B-AD8C-0A4D05699D33}" type="datetime1">
               <a:rPr lang="en-US" altLang="zh-CN" smtClean="0"/>
-              <a:t>9/6/2017</a:t>
+              <a:t>9/7/2017</a:t>
             </a:fld>
             <a:endParaRPr lang="en-US"/>
           </a:p>
@@ -5082,7 +5082,7 @@
           <a:p>
             <a:fld id="{ED5513C8-E3A4-4D78-B249-887659A958FF}" type="datetime1">
               <a:rPr lang="en-US" altLang="zh-CN" smtClean="0"/>
-              <a:t>9/6/2017</a:t>
+              <a:t>9/7/2017</a:t>
             </a:fld>
             <a:endParaRPr lang="en-US"/>
           </a:p>
@@ -5260,7 +5260,7 @@
           <a:p>
             <a:fld id="{EBEDA52C-3EEE-4289-818C-901C0A7814FE}" type="datetime1">
               <a:rPr lang="en-US" altLang="zh-CN" smtClean="0"/>
-              <a:t>9/6/2017</a:t>
+              <a:t>9/7/2017</a:t>
             </a:fld>
             <a:endParaRPr lang="en-US"/>
           </a:p>
@@ -5514,7 +5514,7 @@
           <a:p>
             <a:fld id="{09EF5D7F-EA15-485C-85DD-8FDC010A62D4}" type="datetime1">
               <a:rPr lang="en-US" altLang="zh-CN" smtClean="0"/>
-              <a:t>9/6/2017</a:t>
+              <a:t>9/7/2017</a:t>
             </a:fld>
             <a:endParaRPr lang="en-US"/>
           </a:p>
@@ -5754,7 +5754,7 @@
           <a:p>
             <a:fld id="{9541C2B2-0BAB-4CD4-83EE-25F1A7138896}" type="datetime1">
               <a:rPr lang="en-US" altLang="zh-CN" smtClean="0"/>
-              <a:t>9/6/2017</a:t>
+              <a:t>9/7/2017</a:t>
             </a:fld>
             <a:endParaRPr lang="en-US"/>
           </a:p>
@@ -6129,7 +6129,7 @@
           <a:p>
             <a:fld id="{7DEA23E7-D0FC-41DC-8745-BE6FC447B182}" type="datetime1">
               <a:rPr lang="en-US" altLang="zh-CN" smtClean="0"/>
-              <a:t>9/6/2017</a:t>
+              <a:t>9/7/2017</a:t>
             </a:fld>
             <a:endParaRPr lang="en-US"/>
           </a:p>
@@ -6914,7 +6914,7 @@
           <a:p>
             <a:fld id="{A1BE0A72-8501-4974-A7B7-5BD248ABBAFC}" type="datetime1">
               <a:rPr lang="zh-CN" altLang="en-US" smtClean="0"/>
-              <a:t>2017/9/6</a:t>
+              <a:t>2017/9/7</a:t>
             </a:fld>
             <a:endParaRPr lang="zh-CN" altLang="en-US"/>
           </a:p>
@@ -6967,7 +6967,7 @@
           <a:p>
             <a:fld id="{5DEA8378-5F33-490B-8120-8DE6B7EE2781}" type="datetime1">
               <a:rPr lang="en-US" altLang="zh-CN" smtClean="0"/>
-              <a:t>9/6/2017</a:t>
+              <a:t>9/7/2017</a:t>
             </a:fld>
             <a:endParaRPr lang="en-US"/>
           </a:p>
@@ -7221,7 +7221,7 @@
           <a:p>
             <a:fld id="{38DD30CF-78A7-4C73-91B4-38D3E3317745}" type="datetime1">
               <a:rPr lang="en-US" altLang="zh-CN" smtClean="0"/>
-              <a:t>9/6/2017</a:t>
+              <a:t>9/7/2017</a:t>
             </a:fld>
             <a:endParaRPr lang="en-US"/>
           </a:p>
@@ -7486,7 +7486,7 @@
           <a:p>
             <a:fld id="{0B7E01DD-16D0-4DBA-9C1A-51468BA0B73A}" type="datetime1">
               <a:rPr lang="en-US" altLang="zh-CN" smtClean="0"/>
-              <a:t>9/6/2017</a:t>
+              <a:t>9/7/2017</a:t>
             </a:fld>
             <a:endParaRPr lang="en-US"/>
           </a:p>
@@ -7664,7 +7664,7 @@
           <a:p>
             <a:fld id="{B587E63F-0E62-4A50-901F-E071D77F7634}" type="datetime1">
               <a:rPr lang="en-US" altLang="zh-CN" smtClean="0"/>
-              <a:t>9/6/2017</a:t>
+              <a:t>9/7/2017</a:t>
             </a:fld>
             <a:endParaRPr lang="en-US"/>
           </a:p>
@@ -7852,7 +7852,7 @@
           <a:p>
             <a:fld id="{BD8521E8-9297-400B-AD8C-0A4D05699D33}" type="datetime1">
               <a:rPr lang="en-US" altLang="zh-CN" smtClean="0"/>
-              <a:t>9/6/2017</a:t>
+              <a:t>9/7/2017</a:t>
             </a:fld>
             <a:endParaRPr lang="en-US"/>
           </a:p>
@@ -7955,7 +7955,7 @@
           <a:p>
             <a:fld id="{EF452D9C-F9EB-4417-9C3A-C876C2AF9415}" type="datetime1">
               <a:rPr lang="zh-CN" altLang="en-US" smtClean="0"/>
-              <a:t>2017/9/6</a:t>
+              <a:t>2017/9/7</a:t>
             </a:fld>
             <a:endParaRPr lang="zh-CN" altLang="en-US"/>
           </a:p>
@@ -8141,7 +8141,7 @@
           <a:p>
             <a:fld id="{2F2E9289-9B4C-49AE-BDDA-70D6EDC89D17}" type="datetime1">
               <a:rPr lang="zh-CN" altLang="en-US" smtClean="0"/>
-              <a:t>2017/9/6</a:t>
+              <a:t>2017/9/7</a:t>
             </a:fld>
             <a:endParaRPr lang="zh-CN" altLang="en-US"/>
           </a:p>
@@ -8311,7 +8311,7 @@
           <a:p>
             <a:fld id="{2F2E9289-9B4C-49AE-BDDA-70D6EDC89D17}" type="datetime1">
               <a:rPr lang="zh-CN" altLang="en-US" smtClean="0"/>
-              <a:t>2017/9/6</a:t>
+              <a:t>2017/9/7</a:t>
             </a:fld>
             <a:endParaRPr lang="zh-CN" altLang="en-US"/>
           </a:p>
@@ -8547,7 +8547,7 @@
           <a:p>
             <a:fld id="{8C5BA751-A251-47D6-8494-C134D9EBED5F}" type="datetime1">
               <a:rPr lang="zh-CN" altLang="en-US" smtClean="0"/>
-              <a:t>2017/9/6</a:t>
+              <a:t>2017/9/7</a:t>
             </a:fld>
             <a:endParaRPr lang="zh-CN" altLang="en-US"/>
           </a:p>
@@ -8903,7 +8903,7 @@
           <a:p>
             <a:fld id="{C46E2078-F302-4651-A2A2-2FC6C4E1A3F1}" type="datetime1">
               <a:rPr lang="zh-CN" altLang="en-US" smtClean="0"/>
-              <a:t>2017/9/6</a:t>
+              <a:t>2017/9/7</a:t>
             </a:fld>
             <a:endParaRPr lang="zh-CN" altLang="en-US"/>
           </a:p>
@@ -9025,7 +9025,7 @@
               <a:pPr>
                 <a:defRPr/>
               </a:pPr>
-              <a:t>2017/9/6</a:t>
+              <a:t>2017/9/7</a:t>
             </a:fld>
             <a:endParaRPr lang="zh-CN" altLang="en-US"/>
           </a:p>
@@ -9173,7 +9173,7 @@
           <a:p>
             <a:fld id="{A1BE0A72-8501-4974-A7B7-5BD248ABBAFC}" type="datetime1">
               <a:rPr lang="zh-CN" altLang="en-US" smtClean="0"/>
-              <a:t>2017/9/6</a:t>
+              <a:t>2017/9/7</a:t>
             </a:fld>
             <a:endParaRPr lang="zh-CN" altLang="en-US"/>
           </a:p>
@@ -9687,7 +9687,7 @@
           <a:p>
             <a:fld id="{A1BE0A72-8501-4974-A7B7-5BD248ABBAFC}" type="datetime1">
               <a:rPr lang="zh-CN" altLang="en-US" smtClean="0"/>
-              <a:t>2017/9/6</a:t>
+              <a:t>2017/9/7</a:t>
             </a:fld>
             <a:endParaRPr lang="zh-CN" altLang="en-US"/>
           </a:p>
@@ -10293,7 +10293,7 @@
           <a:p>
             <a:fld id="{7A78726F-0AD2-4A20-BC72-263D2D3F3A2F}" type="datetime1">
               <a:rPr lang="en-US" altLang="zh-CN" smtClean="0"/>
-              <a:t>9/6/2017</a:t>
+              <a:t>9/7/2017</a:t>
             </a:fld>
             <a:endParaRPr lang="en-US"/>
           </a:p>
@@ -11274,7 +11274,7 @@
           <a:p>
             <a:fld id="{A1BE0A72-8501-4974-A7B7-5BD248ABBAFC}" type="datetime1">
               <a:rPr lang="zh-CN" altLang="en-US" smtClean="0"/>
-              <a:t>2017/9/6</a:t>
+              <a:t>2017/9/7</a:t>
             </a:fld>
             <a:endParaRPr lang="zh-CN" altLang="en-US"/>
           </a:p>
@@ -11880,7 +11880,7 @@
           <a:p>
             <a:fld id="{7A78726F-0AD2-4A20-BC72-263D2D3F3A2F}" type="datetime1">
               <a:rPr lang="en-US" altLang="zh-CN" smtClean="0"/>
-              <a:t>9/6/2017</a:t>
+              <a:t>9/7/2017</a:t>
             </a:fld>
             <a:endParaRPr lang="en-US"/>
           </a:p>
@@ -20865,6 +20865,125 @@
             <a:r>
               <a:rPr lang="zh-CN" altLang="en-US" b="0" dirty="0"/>
               <a:t>课程概要</a:t>
+            </a:r>
+          </a:p>
+        </p:txBody>
+      </p:sp>
+      <p:sp>
+        <p:nvSpPr>
+          <p:cNvPr id="3" name="文本框 2">
+            <a:extLst>
+              <a:ext uri="{FF2B5EF4-FFF2-40B4-BE49-F238E27FC236}">
+                <a16:creationId xmlns:a16="http://schemas.microsoft.com/office/drawing/2014/main" id="{365FD7A5-8ADA-4AED-8425-85890D0C9931}"/>
+              </a:ext>
+            </a:extLst>
+          </p:cNvPr>
+          <p:cNvSpPr txBox="1"/>
+          <p:nvPr/>
+        </p:nvSpPr>
+        <p:spPr>
+          <a:xfrm>
+            <a:off x="1327355" y="1818968"/>
+            <a:ext cx="8701548" cy="1705403"/>
+          </a:xfrm>
+          <a:prstGeom prst="rect">
+            <a:avLst/>
+          </a:prstGeom>
+          <a:noFill/>
+        </p:spPr>
+        <p:txBody>
+          <a:bodyPr wrap="square" rtlCol="0">
+            <a:spAutoFit/>
+          </a:bodyPr>
+          <a:lstStyle/>
+          <a:p>
+            <a:pPr marL="285750" indent="-285750">
+              <a:lnSpc>
+                <a:spcPct val="150000"/>
+              </a:lnSpc>
+              <a:buFont typeface="Arial" panose="020B0604020202020204" pitchFamily="34" charset="0"/>
+              <a:buChar char="•"/>
+            </a:pPr>
+            <a:r>
+              <a:rPr lang="zh-CN" altLang="en-US" dirty="0">
+                <a:latin typeface="微软雅黑" panose="020B0503020204020204" pitchFamily="34" charset="-122"/>
+                <a:ea typeface="微软雅黑" panose="020B0503020204020204" pitchFamily="34" charset="-122"/>
+              </a:rPr>
+              <a:t>如何使用</a:t>
+            </a:r>
+            <a:r>
+              <a:rPr lang="en-US" altLang="zh-CN" dirty="0">
+                <a:latin typeface="微软雅黑" panose="020B0503020204020204" pitchFamily="34" charset="-122"/>
+                <a:ea typeface="微软雅黑" panose="020B0503020204020204" pitchFamily="34" charset="-122"/>
+              </a:rPr>
+              <a:t>CURL</a:t>
+            </a:r>
+            <a:r>
+              <a:rPr lang="zh-CN" altLang="en-US" dirty="0">
+                <a:latin typeface="微软雅黑" panose="020B0503020204020204" pitchFamily="34" charset="-122"/>
+                <a:ea typeface="微软雅黑" panose="020B0503020204020204" pitchFamily="34" charset="-122"/>
+              </a:rPr>
+              <a:t>与扩展上传和下载文件。</a:t>
+            </a:r>
+            <a:endParaRPr lang="en-US" altLang="zh-CN" dirty="0">
+              <a:latin typeface="微软雅黑" panose="020B0503020204020204" pitchFamily="34" charset="-122"/>
+              <a:ea typeface="微软雅黑" panose="020B0503020204020204" pitchFamily="34" charset="-122"/>
+            </a:endParaRPr>
+          </a:p>
+          <a:p>
+            <a:pPr marL="285750" indent="-285750">
+              <a:lnSpc>
+                <a:spcPct val="150000"/>
+              </a:lnSpc>
+              <a:buFont typeface="Arial" panose="020B0604020202020204" pitchFamily="34" charset="0"/>
+              <a:buChar char="•"/>
+            </a:pPr>
+            <a:r>
+              <a:rPr lang="zh-CN" altLang="en-US" dirty="0">
+                <a:latin typeface="微软雅黑" panose="020B0503020204020204" pitchFamily="34" charset="-122"/>
+                <a:ea typeface="微软雅黑" panose="020B0503020204020204" pitchFamily="34" charset="-122"/>
+              </a:rPr>
+              <a:t>上传图像素材与图文素材。</a:t>
+            </a:r>
+            <a:endParaRPr lang="en-US" altLang="zh-CN" dirty="0">
+              <a:latin typeface="微软雅黑" panose="020B0503020204020204" pitchFamily="34" charset="-122"/>
+              <a:ea typeface="微软雅黑" panose="020B0503020204020204" pitchFamily="34" charset="-122"/>
+            </a:endParaRPr>
+          </a:p>
+          <a:p>
+            <a:pPr marL="285750" indent="-285750">
+              <a:lnSpc>
+                <a:spcPct val="150000"/>
+              </a:lnSpc>
+              <a:buFont typeface="Arial" panose="020B0604020202020204" pitchFamily="34" charset="0"/>
+              <a:buChar char="•"/>
+            </a:pPr>
+            <a:r>
+              <a:rPr lang="zh-CN" altLang="en-US" dirty="0">
+                <a:latin typeface="微软雅黑" panose="020B0503020204020204" pitchFamily="34" charset="-122"/>
+                <a:ea typeface="微软雅黑" panose="020B0503020204020204" pitchFamily="34" charset="-122"/>
+              </a:rPr>
+              <a:t>获取素材列表。</a:t>
+            </a:r>
+            <a:endParaRPr lang="en-US" altLang="zh-CN" dirty="0">
+              <a:latin typeface="微软雅黑" panose="020B0503020204020204" pitchFamily="34" charset="-122"/>
+              <a:ea typeface="微软雅黑" panose="020B0503020204020204" pitchFamily="34" charset="-122"/>
+            </a:endParaRPr>
+          </a:p>
+          <a:p>
+            <a:pPr marL="285750" indent="-285750">
+              <a:lnSpc>
+                <a:spcPct val="150000"/>
+              </a:lnSpc>
+              <a:buFont typeface="Arial" panose="020B0604020202020204" pitchFamily="34" charset="0"/>
+              <a:buChar char="•"/>
+            </a:pPr>
+            <a:r>
+              <a:rPr lang="zh-CN" altLang="en-US" dirty="0">
+                <a:latin typeface="微软雅黑" panose="020B0503020204020204" pitchFamily="34" charset="-122"/>
+                <a:ea typeface="微软雅黑" panose="020B0503020204020204" pitchFamily="34" charset="-122"/>
+              </a:rPr>
+              <a:t>获取素材。</a:t>
             </a:r>
           </a:p>
         </p:txBody>

--- a/meterials/slides/ch07-media-source-and-news.pptx
+++ b/meterials/slides/ch07-media-source-and-news.pptx
@@ -274,7 +274,7 @@
           <a:p>
             <a:fld id="{2B71C804-97F5-4B36-A7AC-EEEC7F44F6C2}" type="datetimeFigureOut">
               <a:rPr lang="zh-CN" altLang="en-US" smtClean="0"/>
-              <a:t>2017/9/7</a:t>
+              <a:t>2017/10/25</a:t>
             </a:fld>
             <a:endParaRPr lang="zh-CN" altLang="en-US"/>
           </a:p>
@@ -440,7 +440,7 @@
           <a:p>
             <a:fld id="{0568D9C6-D8DC-4CC3-8480-E0C4DBA1CC07}" type="datetimeFigureOut">
               <a:rPr lang="zh-CN" altLang="en-US" smtClean="0"/>
-              <a:t>2017/9/7</a:t>
+              <a:t>2017/10/25</a:t>
             </a:fld>
             <a:endParaRPr lang="zh-CN" altLang="en-US"/>
           </a:p>
@@ -1053,7 +1053,7 @@
           <a:p>
             <a:fld id="{DB9D664F-4C68-42D2-B189-678958EFAFDA}" type="datetime1">
               <a:rPr lang="zh-CN" altLang="en-US" smtClean="0"/>
-              <a:t>2017/9/7</a:t>
+              <a:t>2017/10/25</a:t>
             </a:fld>
             <a:endParaRPr lang="zh-CN" altLang="en-US"/>
           </a:p>
@@ -2035,7 +2035,7 @@
           <a:p>
             <a:fld id="{ED5513C8-E3A4-4D78-B249-887659A958FF}" type="datetime1">
               <a:rPr lang="en-US" altLang="zh-CN" smtClean="0"/>
-              <a:t>9/7/2017</a:t>
+              <a:t>10/25/2017</a:t>
             </a:fld>
             <a:endParaRPr lang="en-US"/>
           </a:p>
@@ -2213,7 +2213,7 @@
           <a:p>
             <a:fld id="{EBEDA52C-3EEE-4289-818C-901C0A7814FE}" type="datetime1">
               <a:rPr lang="en-US" altLang="zh-CN" smtClean="0"/>
-              <a:t>9/7/2017</a:t>
+              <a:t>10/25/2017</a:t>
             </a:fld>
             <a:endParaRPr lang="en-US"/>
           </a:p>
@@ -2467,7 +2467,7 @@
           <a:p>
             <a:fld id="{09EF5D7F-EA15-485C-85DD-8FDC010A62D4}" type="datetime1">
               <a:rPr lang="en-US" altLang="zh-CN" smtClean="0"/>
-              <a:t>9/7/2017</a:t>
+              <a:t>10/25/2017</a:t>
             </a:fld>
             <a:endParaRPr lang="en-US"/>
           </a:p>
@@ -2707,7 +2707,7 @@
           <a:p>
             <a:fld id="{9541C2B2-0BAB-4CD4-83EE-25F1A7138896}" type="datetime1">
               <a:rPr lang="en-US" altLang="zh-CN" smtClean="0"/>
-              <a:t>9/7/2017</a:t>
+              <a:t>10/25/2017</a:t>
             </a:fld>
             <a:endParaRPr lang="en-US"/>
           </a:p>
@@ -3082,7 +3082,7 @@
           <a:p>
             <a:fld id="{7DEA23E7-D0FC-41DC-8745-BE6FC447B182}" type="datetime1">
               <a:rPr lang="en-US" altLang="zh-CN" smtClean="0"/>
-              <a:t>9/7/2017</a:t>
+              <a:t>10/25/2017</a:t>
             </a:fld>
             <a:endParaRPr lang="en-US"/>
           </a:p>
@@ -3867,7 +3867,7 @@
           <a:p>
             <a:fld id="{5DEA8378-5F33-490B-8120-8DE6B7EE2781}" type="datetime1">
               <a:rPr lang="en-US" altLang="zh-CN" smtClean="0"/>
-              <a:t>9/7/2017</a:t>
+              <a:t>10/25/2017</a:t>
             </a:fld>
             <a:endParaRPr lang="en-US"/>
           </a:p>
@@ -4121,7 +4121,7 @@
           <a:p>
             <a:fld id="{38DD30CF-78A7-4C73-91B4-38D3E3317745}" type="datetime1">
               <a:rPr lang="en-US" altLang="zh-CN" smtClean="0"/>
-              <a:t>9/7/2017</a:t>
+              <a:t>10/25/2017</a:t>
             </a:fld>
             <a:endParaRPr lang="en-US"/>
           </a:p>
@@ -4224,7 +4224,7 @@
           <a:p>
             <a:fld id="{A1BE0A72-8501-4974-A7B7-5BD248ABBAFC}" type="datetime1">
               <a:rPr lang="zh-CN" altLang="en-US" smtClean="0"/>
-              <a:t>2017/9/7</a:t>
+              <a:t>2017/10/25</a:t>
             </a:fld>
             <a:endParaRPr lang="zh-CN" altLang="en-US"/>
           </a:p>
@@ -4485,7 +4485,7 @@
           <a:p>
             <a:fld id="{0B7E01DD-16D0-4DBA-9C1A-51468BA0B73A}" type="datetime1">
               <a:rPr lang="en-US" altLang="zh-CN" smtClean="0"/>
-              <a:t>9/7/2017</a:t>
+              <a:t>10/25/2017</a:t>
             </a:fld>
             <a:endParaRPr lang="en-US"/>
           </a:p>
@@ -4663,7 +4663,7 @@
           <a:p>
             <a:fld id="{B587E63F-0E62-4A50-901F-E071D77F7634}" type="datetime1">
               <a:rPr lang="en-US" altLang="zh-CN" smtClean="0"/>
-              <a:t>9/7/2017</a:t>
+              <a:t>10/25/2017</a:t>
             </a:fld>
             <a:endParaRPr lang="en-US"/>
           </a:p>
@@ -4851,7 +4851,7 @@
           <a:p>
             <a:fld id="{BD8521E8-9297-400B-AD8C-0A4D05699D33}" type="datetime1">
               <a:rPr lang="en-US" altLang="zh-CN" smtClean="0"/>
-              <a:t>9/7/2017</a:t>
+              <a:t>10/25/2017</a:t>
             </a:fld>
             <a:endParaRPr lang="en-US"/>
           </a:p>
@@ -5082,7 +5082,7 @@
           <a:p>
             <a:fld id="{ED5513C8-E3A4-4D78-B249-887659A958FF}" type="datetime1">
               <a:rPr lang="en-US" altLang="zh-CN" smtClean="0"/>
-              <a:t>9/7/2017</a:t>
+              <a:t>10/25/2017</a:t>
             </a:fld>
             <a:endParaRPr lang="en-US"/>
           </a:p>
@@ -5260,7 +5260,7 @@
           <a:p>
             <a:fld id="{EBEDA52C-3EEE-4289-818C-901C0A7814FE}" type="datetime1">
               <a:rPr lang="en-US" altLang="zh-CN" smtClean="0"/>
-              <a:t>9/7/2017</a:t>
+              <a:t>10/25/2017</a:t>
             </a:fld>
             <a:endParaRPr lang="en-US"/>
           </a:p>
@@ -5514,7 +5514,7 @@
           <a:p>
             <a:fld id="{09EF5D7F-EA15-485C-85DD-8FDC010A62D4}" type="datetime1">
               <a:rPr lang="en-US" altLang="zh-CN" smtClean="0"/>
-              <a:t>9/7/2017</a:t>
+              <a:t>10/25/2017</a:t>
             </a:fld>
             <a:endParaRPr lang="en-US"/>
           </a:p>
@@ -5754,7 +5754,7 @@
           <a:p>
             <a:fld id="{9541C2B2-0BAB-4CD4-83EE-25F1A7138896}" type="datetime1">
               <a:rPr lang="en-US" altLang="zh-CN" smtClean="0"/>
-              <a:t>9/7/2017</a:t>
+              <a:t>10/25/2017</a:t>
             </a:fld>
             <a:endParaRPr lang="en-US"/>
           </a:p>
@@ -6129,7 +6129,7 @@
           <a:p>
             <a:fld id="{7DEA23E7-D0FC-41DC-8745-BE6FC447B182}" type="datetime1">
               <a:rPr lang="en-US" altLang="zh-CN" smtClean="0"/>
-              <a:t>9/7/2017</a:t>
+              <a:t>10/25/2017</a:t>
             </a:fld>
             <a:endParaRPr lang="en-US"/>
           </a:p>
@@ -6914,7 +6914,7 @@
           <a:p>
             <a:fld id="{A1BE0A72-8501-4974-A7B7-5BD248ABBAFC}" type="datetime1">
               <a:rPr lang="zh-CN" altLang="en-US" smtClean="0"/>
-              <a:t>2017/9/7</a:t>
+              <a:t>2017/10/25</a:t>
             </a:fld>
             <a:endParaRPr lang="zh-CN" altLang="en-US"/>
           </a:p>
@@ -6967,7 +6967,7 @@
           <a:p>
             <a:fld id="{5DEA8378-5F33-490B-8120-8DE6B7EE2781}" type="datetime1">
               <a:rPr lang="en-US" altLang="zh-CN" smtClean="0"/>
-              <a:t>9/7/2017</a:t>
+              <a:t>10/25/2017</a:t>
             </a:fld>
             <a:endParaRPr lang="en-US"/>
           </a:p>
@@ -7221,7 +7221,7 @@
           <a:p>
             <a:fld id="{38DD30CF-78A7-4C73-91B4-38D3E3317745}" type="datetime1">
               <a:rPr lang="en-US" altLang="zh-CN" smtClean="0"/>
-              <a:t>9/7/2017</a:t>
+              <a:t>10/25/2017</a:t>
             </a:fld>
             <a:endParaRPr lang="en-US"/>
           </a:p>
@@ -7486,7 +7486,7 @@
           <a:p>
             <a:fld id="{0B7E01DD-16D0-4DBA-9C1A-51468BA0B73A}" type="datetime1">
               <a:rPr lang="en-US" altLang="zh-CN" smtClean="0"/>
-              <a:t>9/7/2017</a:t>
+              <a:t>10/25/2017</a:t>
             </a:fld>
             <a:endParaRPr lang="en-US"/>
           </a:p>
@@ -7664,7 +7664,7 @@
           <a:p>
             <a:fld id="{B587E63F-0E62-4A50-901F-E071D77F7634}" type="datetime1">
               <a:rPr lang="en-US" altLang="zh-CN" smtClean="0"/>
-              <a:t>9/7/2017</a:t>
+              <a:t>10/25/2017</a:t>
             </a:fld>
             <a:endParaRPr lang="en-US"/>
           </a:p>
@@ -7852,7 +7852,7 @@
           <a:p>
             <a:fld id="{BD8521E8-9297-400B-AD8C-0A4D05699D33}" type="datetime1">
               <a:rPr lang="en-US" altLang="zh-CN" smtClean="0"/>
-              <a:t>9/7/2017</a:t>
+              <a:t>10/25/2017</a:t>
             </a:fld>
             <a:endParaRPr lang="en-US"/>
           </a:p>
@@ -7955,7 +7955,7 @@
           <a:p>
             <a:fld id="{EF452D9C-F9EB-4417-9C3A-C876C2AF9415}" type="datetime1">
               <a:rPr lang="zh-CN" altLang="en-US" smtClean="0"/>
-              <a:t>2017/9/7</a:t>
+              <a:t>2017/10/25</a:t>
             </a:fld>
             <a:endParaRPr lang="zh-CN" altLang="en-US"/>
           </a:p>
@@ -8141,7 +8141,7 @@
           <a:p>
             <a:fld id="{2F2E9289-9B4C-49AE-BDDA-70D6EDC89D17}" type="datetime1">
               <a:rPr lang="zh-CN" altLang="en-US" smtClean="0"/>
-              <a:t>2017/9/7</a:t>
+              <a:t>2017/10/25</a:t>
             </a:fld>
             <a:endParaRPr lang="zh-CN" altLang="en-US"/>
           </a:p>
@@ -8311,7 +8311,7 @@
           <a:p>
             <a:fld id="{2F2E9289-9B4C-49AE-BDDA-70D6EDC89D17}" type="datetime1">
               <a:rPr lang="zh-CN" altLang="en-US" smtClean="0"/>
-              <a:t>2017/9/7</a:t>
+              <a:t>2017/10/25</a:t>
             </a:fld>
             <a:endParaRPr lang="zh-CN" altLang="en-US"/>
           </a:p>
@@ -8547,7 +8547,7 @@
           <a:p>
             <a:fld id="{8C5BA751-A251-47D6-8494-C134D9EBED5F}" type="datetime1">
               <a:rPr lang="zh-CN" altLang="en-US" smtClean="0"/>
-              <a:t>2017/9/7</a:t>
+              <a:t>2017/10/25</a:t>
             </a:fld>
             <a:endParaRPr lang="zh-CN" altLang="en-US"/>
           </a:p>
@@ -8903,7 +8903,7 @@
           <a:p>
             <a:fld id="{C46E2078-F302-4651-A2A2-2FC6C4E1A3F1}" type="datetime1">
               <a:rPr lang="zh-CN" altLang="en-US" smtClean="0"/>
-              <a:t>2017/9/7</a:t>
+              <a:t>2017/10/25</a:t>
             </a:fld>
             <a:endParaRPr lang="zh-CN" altLang="en-US"/>
           </a:p>
@@ -9025,7 +9025,7 @@
               <a:pPr>
                 <a:defRPr/>
               </a:pPr>
-              <a:t>2017/9/7</a:t>
+              <a:t>2017/10/25</a:t>
             </a:fld>
             <a:endParaRPr lang="zh-CN" altLang="en-US"/>
           </a:p>
@@ -9173,7 +9173,7 @@
           <a:p>
             <a:fld id="{A1BE0A72-8501-4974-A7B7-5BD248ABBAFC}" type="datetime1">
               <a:rPr lang="zh-CN" altLang="en-US" smtClean="0"/>
-              <a:t>2017/9/7</a:t>
+              <a:t>2017/10/25</a:t>
             </a:fld>
             <a:endParaRPr lang="zh-CN" altLang="en-US"/>
           </a:p>
@@ -9687,7 +9687,7 @@
           <a:p>
             <a:fld id="{A1BE0A72-8501-4974-A7B7-5BD248ABBAFC}" type="datetime1">
               <a:rPr lang="zh-CN" altLang="en-US" smtClean="0"/>
-              <a:t>2017/9/7</a:t>
+              <a:t>2017/10/25</a:t>
             </a:fld>
             <a:endParaRPr lang="zh-CN" altLang="en-US"/>
           </a:p>
@@ -10293,7 +10293,7 @@
           <a:p>
             <a:fld id="{7A78726F-0AD2-4A20-BC72-263D2D3F3A2F}" type="datetime1">
               <a:rPr lang="en-US" altLang="zh-CN" smtClean="0"/>
-              <a:t>9/7/2017</a:t>
+              <a:t>10/25/2017</a:t>
             </a:fld>
             <a:endParaRPr lang="en-US"/>
           </a:p>
@@ -11274,7 +11274,7 @@
           <a:p>
             <a:fld id="{A1BE0A72-8501-4974-A7B7-5BD248ABBAFC}" type="datetime1">
               <a:rPr lang="zh-CN" altLang="en-US" smtClean="0"/>
-              <a:t>2017/9/7</a:t>
+              <a:t>2017/10/25</a:t>
             </a:fld>
             <a:endParaRPr lang="zh-CN" altLang="en-US"/>
           </a:p>
@@ -11880,7 +11880,7 @@
           <a:p>
             <a:fld id="{7A78726F-0AD2-4A20-BC72-263D2D3F3A2F}" type="datetime1">
               <a:rPr lang="en-US" altLang="zh-CN" smtClean="0"/>
-              <a:t>9/7/2017</a:t>
+              <a:t>10/25/2017</a:t>
             </a:fld>
             <a:endParaRPr lang="en-US"/>
           </a:p>
@@ -21387,7 +21387,31 @@
               <a:rPr lang="zh-CN" altLang="en-US" dirty="0">
                 <a:latin typeface="Consolas" panose="020B0609020204030204" pitchFamily="49" charset="0"/>
               </a:rPr>
-              <a:t>$url = 'http://www.hzwjia.com/shop/weixin/fileupload.php';</a:t>
+              <a:t>$url = 'http://</a:t>
+            </a:r>
+            <a:r>
+              <a:rPr lang="en-US" altLang="zh-CN">
+                <a:latin typeface="Consolas" panose="020B0609020204030204" pitchFamily="49" charset="0"/>
+              </a:rPr>
+              <a:t>your</a:t>
+            </a:r>
+            <a:r>
+              <a:rPr lang="zh-CN" altLang="en-US">
+                <a:latin typeface="Consolas" panose="020B0609020204030204" pitchFamily="49" charset="0"/>
+              </a:rPr>
+              <a:t>.</a:t>
+            </a:r>
+            <a:r>
+              <a:rPr lang="en-US" altLang="zh-CN" dirty="0" err="1">
+                <a:latin typeface="Consolas" panose="020B0609020204030204" pitchFamily="49" charset="0"/>
+              </a:rPr>
+              <a:t>wywwwxm</a:t>
+            </a:r>
+            <a:r>
+              <a:rPr lang="zh-CN" altLang="en-US" dirty="0">
+                <a:latin typeface="Consolas" panose="020B0609020204030204" pitchFamily="49" charset="0"/>
+              </a:rPr>
+              <a:t>.com/shop/weixin/fileupload.php';</a:t>
             </a:r>
           </a:p>
           <a:p>
